--- a/uml/CO4.pptx
+++ b/uml/CO4.pptx
@@ -3071,7 +3071,7 @@
       </p:sp>
       <p:grpSp>
         <p:nvGrpSpPr>
-          <p:cNvPr id="8" name="Gruppo 7"/>
+          <p:cNvPr id="4" name="Gruppo 3"/>
           <p:cNvGrpSpPr/>
           <p:nvPr/>
         </p:nvGrpSpPr>
@@ -3079,52 +3079,211 @@
           <a:xfrm>
             <a:off x="5601045" y="0"/>
             <a:ext cx="6131751" cy="6858000"/>
-            <a:chOff x="3030124" y="0"/>
+            <a:chOff x="5601045" y="0"/>
             <a:chExt cx="6131751" cy="6858000"/>
           </a:xfrm>
         </p:grpSpPr>
-        <p:pic>
-          <p:nvPicPr>
-            <p:cNvPr id="3" name="Immagine 2"/>
-            <p:cNvPicPr>
-              <a:picLocks noChangeAspect="1"/>
-            </p:cNvPicPr>
+        <p:grpSp>
+          <p:nvGrpSpPr>
+            <p:cNvPr id="8" name="Gruppo 7"/>
+            <p:cNvGrpSpPr/>
             <p:nvPr/>
-          </p:nvPicPr>
-          <p:blipFill>
-            <a:blip r:embed="rId2"/>
-            <a:stretch>
-              <a:fillRect/>
-            </a:stretch>
-          </p:blipFill>
-          <p:spPr>
+          </p:nvGrpSpPr>
+          <p:grpSpPr>
             <a:xfrm>
-              <a:off x="3030124" y="0"/>
+              <a:off x="5601045" y="0"/>
               <a:ext cx="6131751" cy="6858000"/>
+              <a:chOff x="3030124" y="0"/>
+              <a:chExt cx="6131751" cy="6858000"/>
             </a:xfrm>
-            <a:prstGeom prst="rect">
-              <a:avLst/>
-            </a:prstGeom>
-          </p:spPr>
-        </p:pic>
+          </p:grpSpPr>
+          <p:pic>
+            <p:nvPicPr>
+              <p:cNvPr id="3" name="Immagine 2"/>
+              <p:cNvPicPr>
+                <a:picLocks noChangeAspect="1"/>
+              </p:cNvPicPr>
+              <p:nvPr/>
+            </p:nvPicPr>
+            <p:blipFill>
+              <a:blip r:embed="rId2"/>
+              <a:stretch>
+                <a:fillRect/>
+              </a:stretch>
+            </p:blipFill>
+            <p:spPr>
+              <a:xfrm>
+                <a:off x="3030124" y="0"/>
+                <a:ext cx="6131751" cy="6858000"/>
+              </a:xfrm>
+              <a:prstGeom prst="rect">
+                <a:avLst/>
+              </a:prstGeom>
+            </p:spPr>
+          </p:pic>
+          <p:sp>
+            <p:nvSpPr>
+              <p:cNvPr id="9" name="Rettangolo 8"/>
+              <p:cNvSpPr/>
+              <p:nvPr/>
+            </p:nvSpPr>
+            <p:spPr>
+              <a:xfrm>
+                <a:off x="7559040" y="242355"/>
+                <a:ext cx="1051560" cy="262469"/>
+              </a:xfrm>
+              <a:prstGeom prst="rect">
+                <a:avLst/>
+              </a:prstGeom>
+              <a:solidFill>
+                <a:srgbClr val="FF0000">
+                  <a:alpha val="40000"/>
+                </a:srgbClr>
+              </a:solidFill>
+              <a:ln>
+                <a:noFill/>
+              </a:ln>
+            </p:spPr>
+            <p:style>
+              <a:lnRef idx="2">
+                <a:schemeClr val="accent1">
+                  <a:shade val="50000"/>
+                </a:schemeClr>
+              </a:lnRef>
+              <a:fillRef idx="1">
+                <a:schemeClr val="accent1"/>
+              </a:fillRef>
+              <a:effectRef idx="0">
+                <a:schemeClr val="accent1"/>
+              </a:effectRef>
+              <a:fontRef idx="minor">
+                <a:schemeClr val="lt1"/>
+              </a:fontRef>
+            </p:style>
+            <p:txBody>
+              <a:bodyPr rtlCol="0" anchor="ctr"/>
+              <a:lstStyle/>
+              <a:p>
+                <a:pPr algn="ctr"/>
+                <a:endParaRPr lang="it-IT" dirty="0"/>
+              </a:p>
+            </p:txBody>
+          </p:sp>
+          <p:sp>
+            <p:nvSpPr>
+              <p:cNvPr id="10" name="Rettangolo 9"/>
+              <p:cNvSpPr/>
+              <p:nvPr/>
+            </p:nvSpPr>
+            <p:spPr>
+              <a:xfrm>
+                <a:off x="6057901" y="1437744"/>
+                <a:ext cx="933450" cy="262469"/>
+              </a:xfrm>
+              <a:prstGeom prst="rect">
+                <a:avLst/>
+              </a:prstGeom>
+              <a:solidFill>
+                <a:srgbClr val="FF0000">
+                  <a:alpha val="40000"/>
+                </a:srgbClr>
+              </a:solidFill>
+              <a:ln>
+                <a:noFill/>
+              </a:ln>
+            </p:spPr>
+            <p:style>
+              <a:lnRef idx="2">
+                <a:schemeClr val="accent1">
+                  <a:shade val="50000"/>
+                </a:schemeClr>
+              </a:lnRef>
+              <a:fillRef idx="1">
+                <a:schemeClr val="accent1"/>
+              </a:fillRef>
+              <a:effectRef idx="0">
+                <a:schemeClr val="accent1"/>
+              </a:effectRef>
+              <a:fontRef idx="minor">
+                <a:schemeClr val="lt1"/>
+              </a:fontRef>
+            </p:style>
+            <p:txBody>
+              <a:bodyPr rtlCol="0" anchor="ctr"/>
+              <a:lstStyle/>
+              <a:p>
+                <a:pPr algn="ctr"/>
+                <a:endParaRPr lang="it-IT" dirty="0"/>
+              </a:p>
+            </p:txBody>
+          </p:sp>
+          <p:sp>
+            <p:nvSpPr>
+              <p:cNvPr id="11" name="Rettangolo 10"/>
+              <p:cNvSpPr/>
+              <p:nvPr/>
+            </p:nvSpPr>
+            <p:spPr>
+              <a:xfrm>
+                <a:off x="7759064" y="4011874"/>
+                <a:ext cx="1213485" cy="262469"/>
+              </a:xfrm>
+              <a:prstGeom prst="rect">
+                <a:avLst/>
+              </a:prstGeom>
+              <a:solidFill>
+                <a:srgbClr val="FF0000">
+                  <a:alpha val="40000"/>
+                </a:srgbClr>
+              </a:solidFill>
+              <a:ln>
+                <a:noFill/>
+              </a:ln>
+            </p:spPr>
+            <p:style>
+              <a:lnRef idx="2">
+                <a:schemeClr val="accent1">
+                  <a:shade val="50000"/>
+                </a:schemeClr>
+              </a:lnRef>
+              <a:fillRef idx="1">
+                <a:schemeClr val="accent1"/>
+              </a:fillRef>
+              <a:effectRef idx="0">
+                <a:schemeClr val="accent1"/>
+              </a:effectRef>
+              <a:fontRef idx="minor">
+                <a:schemeClr val="lt1"/>
+              </a:fontRef>
+            </p:style>
+            <p:txBody>
+              <a:bodyPr rtlCol="0" anchor="ctr"/>
+              <a:lstStyle/>
+              <a:p>
+                <a:pPr algn="ctr"/>
+                <a:endParaRPr lang="it-IT" dirty="0"/>
+              </a:p>
+            </p:txBody>
+          </p:sp>
+        </p:grpSp>
         <p:sp>
           <p:nvSpPr>
-            <p:cNvPr id="9" name="Rettangolo 8"/>
+            <p:cNvPr id="17" name="Rettangolo 16"/>
             <p:cNvSpPr/>
             <p:nvPr/>
           </p:nvSpPr>
           <p:spPr>
             <a:xfrm>
-              <a:off x="7559040" y="242355"/>
-              <a:ext cx="1051560" cy="262469"/>
+              <a:off x="6972300" y="5670551"/>
+              <a:ext cx="573578" cy="260350"/>
             </a:xfrm>
             <a:prstGeom prst="rect">
               <a:avLst/>
             </a:prstGeom>
             <a:solidFill>
-              <a:srgbClr val="FF0000">
+              <a:schemeClr val="accent1">
                 <a:alpha val="40000"/>
-              </a:srgbClr>
+              </a:schemeClr>
             </a:solidFill>
             <a:ln>
               <a:noFill/>
@@ -3157,70 +3316,22 @@
         </p:sp>
         <p:sp>
           <p:nvSpPr>
-            <p:cNvPr id="10" name="Rettangolo 9"/>
+            <p:cNvPr id="18" name="Rettangolo 17"/>
             <p:cNvSpPr/>
             <p:nvPr/>
           </p:nvSpPr>
           <p:spPr>
             <a:xfrm>
-              <a:off x="6057901" y="1437744"/>
-              <a:ext cx="933450" cy="262469"/>
+              <a:off x="8553450" y="3282950"/>
+              <a:ext cx="573254" cy="260350"/>
             </a:xfrm>
             <a:prstGeom prst="rect">
               <a:avLst/>
             </a:prstGeom>
             <a:solidFill>
-              <a:srgbClr val="FF0000">
+              <a:schemeClr val="accent1">
                 <a:alpha val="40000"/>
-              </a:srgbClr>
-            </a:solidFill>
-            <a:ln>
-              <a:noFill/>
-            </a:ln>
-          </p:spPr>
-          <p:style>
-            <a:lnRef idx="2">
-              <a:schemeClr val="accent1">
-                <a:shade val="50000"/>
               </a:schemeClr>
-            </a:lnRef>
-            <a:fillRef idx="1">
-              <a:schemeClr val="accent1"/>
-            </a:fillRef>
-            <a:effectRef idx="0">
-              <a:schemeClr val="accent1"/>
-            </a:effectRef>
-            <a:fontRef idx="minor">
-              <a:schemeClr val="lt1"/>
-            </a:fontRef>
-          </p:style>
-          <p:txBody>
-            <a:bodyPr rtlCol="0" anchor="ctr"/>
-            <a:lstStyle/>
-            <a:p>
-              <a:pPr algn="ctr"/>
-              <a:endParaRPr lang="it-IT" dirty="0"/>
-            </a:p>
-          </p:txBody>
-        </p:sp>
-        <p:sp>
-          <p:nvSpPr>
-            <p:cNvPr id="11" name="Rettangolo 10"/>
-            <p:cNvSpPr/>
-            <p:nvPr/>
-          </p:nvSpPr>
-          <p:spPr>
-            <a:xfrm>
-              <a:off x="7759064" y="4011874"/>
-              <a:ext cx="1213485" cy="262469"/>
-            </a:xfrm>
-            <a:prstGeom prst="rect">
-              <a:avLst/>
-            </a:prstGeom>
-            <a:solidFill>
-              <a:srgbClr val="FF0000">
-                <a:alpha val="40000"/>
-              </a:srgbClr>
             </a:solidFill>
             <a:ln>
               <a:noFill/>
@@ -3252,102 +3363,6 @@
           </p:txBody>
         </p:sp>
       </p:grpSp>
-      <p:sp>
-        <p:nvSpPr>
-          <p:cNvPr id="17" name="Rettangolo 16"/>
-          <p:cNvSpPr/>
-          <p:nvPr/>
-        </p:nvSpPr>
-        <p:spPr>
-          <a:xfrm>
-            <a:off x="6972300" y="5670551"/>
-            <a:ext cx="573578" cy="260350"/>
-          </a:xfrm>
-          <a:prstGeom prst="rect">
-            <a:avLst/>
-          </a:prstGeom>
-          <a:solidFill>
-            <a:schemeClr val="accent1">
-              <a:alpha val="40000"/>
-            </a:schemeClr>
-          </a:solidFill>
-          <a:ln>
-            <a:noFill/>
-          </a:ln>
-        </p:spPr>
-        <p:style>
-          <a:lnRef idx="2">
-            <a:schemeClr val="accent1">
-              <a:shade val="50000"/>
-            </a:schemeClr>
-          </a:lnRef>
-          <a:fillRef idx="1">
-            <a:schemeClr val="accent1"/>
-          </a:fillRef>
-          <a:effectRef idx="0">
-            <a:schemeClr val="accent1"/>
-          </a:effectRef>
-          <a:fontRef idx="minor">
-            <a:schemeClr val="lt1"/>
-          </a:fontRef>
-        </p:style>
-        <p:txBody>
-          <a:bodyPr rtlCol="0" anchor="ctr"/>
-          <a:lstStyle/>
-          <a:p>
-            <a:pPr algn="ctr"/>
-            <a:endParaRPr lang="it-IT" dirty="0"/>
-          </a:p>
-        </p:txBody>
-      </p:sp>
-      <p:sp>
-        <p:nvSpPr>
-          <p:cNvPr id="18" name="Rettangolo 17"/>
-          <p:cNvSpPr/>
-          <p:nvPr/>
-        </p:nvSpPr>
-        <p:spPr>
-          <a:xfrm>
-            <a:off x="8553450" y="3282950"/>
-            <a:ext cx="573254" cy="260350"/>
-          </a:xfrm>
-          <a:prstGeom prst="rect">
-            <a:avLst/>
-          </a:prstGeom>
-          <a:solidFill>
-            <a:schemeClr val="accent1">
-              <a:alpha val="40000"/>
-            </a:schemeClr>
-          </a:solidFill>
-          <a:ln>
-            <a:noFill/>
-          </a:ln>
-        </p:spPr>
-        <p:style>
-          <a:lnRef idx="2">
-            <a:schemeClr val="accent1">
-              <a:shade val="50000"/>
-            </a:schemeClr>
-          </a:lnRef>
-          <a:fillRef idx="1">
-            <a:schemeClr val="accent1"/>
-          </a:fillRef>
-          <a:effectRef idx="0">
-            <a:schemeClr val="accent1"/>
-          </a:effectRef>
-          <a:fontRef idx="minor">
-            <a:schemeClr val="lt1"/>
-          </a:fontRef>
-        </p:style>
-        <p:txBody>
-          <a:bodyPr rtlCol="0" anchor="ctr"/>
-          <a:lstStyle/>
-          <a:p>
-            <a:pPr algn="ctr"/>
-            <a:endParaRPr lang="it-IT" dirty="0"/>
-          </a:p>
-        </p:txBody>
-      </p:sp>
     </p:spTree>
     <p:extLst>
       <p:ext uri="{BB962C8B-B14F-4D97-AF65-F5344CB8AC3E}">
@@ -4300,7 +4315,7 @@
       </p:sp>
       <p:grpSp>
         <p:nvGrpSpPr>
-          <p:cNvPr id="19" name="Gruppo 18"/>
+          <p:cNvPr id="3" name="Gruppo 2"/>
           <p:cNvGrpSpPr/>
           <p:nvPr/>
         </p:nvGrpSpPr>
@@ -4308,50 +4323,172 @@
           <a:xfrm>
             <a:off x="1259681" y="1482724"/>
             <a:ext cx="9672637" cy="4244975"/>
-            <a:chOff x="1681162" y="1571625"/>
-            <a:chExt cx="8829675" cy="3714750"/>
+            <a:chOff x="1259681" y="1482724"/>
+            <a:chExt cx="9672637" cy="4244975"/>
           </a:xfrm>
         </p:grpSpPr>
-        <p:pic>
-          <p:nvPicPr>
-            <p:cNvPr id="20" name="Immagine 19"/>
-            <p:cNvPicPr>
-              <a:picLocks noChangeAspect="1"/>
-            </p:cNvPicPr>
+        <p:grpSp>
+          <p:nvGrpSpPr>
+            <p:cNvPr id="19" name="Gruppo 18"/>
+            <p:cNvGrpSpPr/>
             <p:nvPr/>
-          </p:nvPicPr>
-          <p:blipFill>
-            <a:blip r:embed="rId2"/>
-            <a:stretch>
-              <a:fillRect/>
-            </a:stretch>
-          </p:blipFill>
-          <p:spPr>
+          </p:nvGrpSpPr>
+          <p:grpSpPr>
             <a:xfrm>
-              <a:off x="1681162" y="1571625"/>
-              <a:ext cx="8829675" cy="3714750"/>
+              <a:off x="1259681" y="1482724"/>
+              <a:ext cx="9672637" cy="4244975"/>
+              <a:chOff x="1681162" y="1571625"/>
+              <a:chExt cx="8829675" cy="3714750"/>
             </a:xfrm>
-            <a:prstGeom prst="rect">
-              <a:avLst/>
-            </a:prstGeom>
-          </p:spPr>
-        </p:pic>
+          </p:grpSpPr>
+          <p:pic>
+            <p:nvPicPr>
+              <p:cNvPr id="20" name="Immagine 19"/>
+              <p:cNvPicPr>
+                <a:picLocks noChangeAspect="1"/>
+              </p:cNvPicPr>
+              <p:nvPr/>
+            </p:nvPicPr>
+            <p:blipFill>
+              <a:blip r:embed="rId2"/>
+              <a:stretch>
+                <a:fillRect/>
+              </a:stretch>
+            </p:blipFill>
+            <p:spPr>
+              <a:xfrm>
+                <a:off x="1681162" y="1571625"/>
+                <a:ext cx="8829675" cy="3714750"/>
+              </a:xfrm>
+              <a:prstGeom prst="rect">
+                <a:avLst/>
+              </a:prstGeom>
+            </p:spPr>
+          </p:pic>
+          <p:sp>
+            <p:nvSpPr>
+              <p:cNvPr id="26" name="Rettangolo 25"/>
+              <p:cNvSpPr/>
+              <p:nvPr/>
+            </p:nvSpPr>
+            <p:spPr>
+              <a:xfrm>
+                <a:off x="5297043" y="4827478"/>
+                <a:ext cx="597235" cy="263376"/>
+              </a:xfrm>
+              <a:prstGeom prst="rect">
+                <a:avLst/>
+              </a:prstGeom>
+              <a:solidFill>
+                <a:srgbClr val="0070C0">
+                  <a:alpha val="40000"/>
+                </a:srgbClr>
+              </a:solidFill>
+              <a:ln>
+                <a:noFill/>
+              </a:ln>
+            </p:spPr>
+            <p:style>
+              <a:lnRef idx="2">
+                <a:schemeClr val="accent1">
+                  <a:shade val="50000"/>
+                </a:schemeClr>
+              </a:lnRef>
+              <a:fillRef idx="1">
+                <a:schemeClr val="accent1"/>
+              </a:fillRef>
+              <a:effectRef idx="0">
+                <a:schemeClr val="accent1"/>
+              </a:effectRef>
+              <a:fontRef idx="minor">
+                <a:schemeClr val="lt1"/>
+              </a:fontRef>
+            </p:style>
+            <p:txBody>
+              <a:bodyPr rtlCol="0" anchor="ctr"/>
+              <a:lstStyle/>
+              <a:p>
+                <a:pPr algn="ctr"/>
+                <a:endParaRPr lang="en-US" dirty="0"/>
+              </a:p>
+            </p:txBody>
+          </p:sp>
+          <p:sp>
+            <p:nvSpPr>
+              <p:cNvPr id="27" name="Rettangolo 26"/>
+              <p:cNvSpPr/>
+              <p:nvPr/>
+            </p:nvSpPr>
+            <p:spPr>
+              <a:xfrm>
+                <a:off x="7648575" y="1772304"/>
+                <a:ext cx="1133475" cy="263376"/>
+              </a:xfrm>
+              <a:prstGeom prst="rect">
+                <a:avLst/>
+              </a:prstGeom>
+              <a:gradFill flip="none" rotWithShape="1">
+                <a:gsLst>
+                  <a:gs pos="50000">
+                    <a:srgbClr val="00B050">
+                      <a:alpha val="40000"/>
+                    </a:srgbClr>
+                  </a:gs>
+                  <a:gs pos="50000">
+                    <a:srgbClr val="FFC000">
+                      <a:alpha val="40000"/>
+                    </a:srgbClr>
+                  </a:gs>
+                </a:gsLst>
+                <a:lin ang="2700000" scaled="1"/>
+                <a:tileRect/>
+              </a:gradFill>
+              <a:ln>
+                <a:noFill/>
+              </a:ln>
+            </p:spPr>
+            <p:style>
+              <a:lnRef idx="2">
+                <a:schemeClr val="accent1">
+                  <a:shade val="50000"/>
+                </a:schemeClr>
+              </a:lnRef>
+              <a:fillRef idx="1">
+                <a:schemeClr val="accent1"/>
+              </a:fillRef>
+              <a:effectRef idx="0">
+                <a:schemeClr val="accent1"/>
+              </a:effectRef>
+              <a:fontRef idx="minor">
+                <a:schemeClr val="lt1"/>
+              </a:fontRef>
+            </p:style>
+            <p:txBody>
+              <a:bodyPr rtlCol="0" anchor="ctr"/>
+              <a:lstStyle/>
+              <a:p>
+                <a:pPr algn="ctr"/>
+                <a:endParaRPr lang="en-US" dirty="0"/>
+              </a:p>
+            </p:txBody>
+          </p:sp>
+        </p:grpSp>
         <p:sp>
           <p:nvSpPr>
-            <p:cNvPr id="26" name="Rettangolo 25"/>
+            <p:cNvPr id="28" name="Rettangolo 27"/>
             <p:cNvSpPr/>
             <p:nvPr/>
           </p:nvSpPr>
           <p:spPr>
             <a:xfrm>
-              <a:off x="5297043" y="4827478"/>
-              <a:ext cx="597235" cy="263376"/>
+              <a:off x="6539027" y="4107181"/>
+              <a:ext cx="768553" cy="315050"/>
             </a:xfrm>
             <a:prstGeom prst="rect">
               <a:avLst/>
             </a:prstGeom>
             <a:solidFill>
-              <a:srgbClr val="0070C0">
+              <a:srgbClr val="7030A0">
                 <a:alpha val="40000"/>
               </a:srgbClr>
             </a:solidFill>
@@ -4386,34 +4523,167 @@
         </p:sp>
         <p:sp>
           <p:nvSpPr>
-            <p:cNvPr id="27" name="Rettangolo 26"/>
+            <p:cNvPr id="29" name="Rettangolo 28"/>
             <p:cNvSpPr/>
             <p:nvPr/>
           </p:nvSpPr>
           <p:spPr>
             <a:xfrm>
-              <a:off x="7648575" y="1772304"/>
-              <a:ext cx="1133475" cy="263376"/>
+              <a:off x="8056224" y="4107181"/>
+              <a:ext cx="798216" cy="315050"/>
             </a:xfrm>
             <a:prstGeom prst="rect">
               <a:avLst/>
             </a:prstGeom>
-            <a:gradFill flip="none" rotWithShape="1">
-              <a:gsLst>
-                <a:gs pos="50000">
-                  <a:srgbClr val="00B050">
-                    <a:alpha val="40000"/>
-                  </a:srgbClr>
-                </a:gs>
-                <a:gs pos="50000">
-                  <a:srgbClr val="FFC000">
-                    <a:alpha val="40000"/>
-                  </a:srgbClr>
-                </a:gs>
-              </a:gsLst>
-              <a:lin ang="2700000" scaled="1"/>
-              <a:tileRect/>
-            </a:gradFill>
+            <a:solidFill>
+              <a:srgbClr val="7030A0">
+                <a:alpha val="40000"/>
+              </a:srgbClr>
+            </a:solidFill>
+            <a:ln>
+              <a:noFill/>
+            </a:ln>
+          </p:spPr>
+          <p:style>
+            <a:lnRef idx="2">
+              <a:schemeClr val="accent1">
+                <a:shade val="50000"/>
+              </a:schemeClr>
+            </a:lnRef>
+            <a:fillRef idx="1">
+              <a:schemeClr val="accent1"/>
+            </a:fillRef>
+            <a:effectRef idx="0">
+              <a:schemeClr val="accent1"/>
+            </a:effectRef>
+            <a:fontRef idx="minor">
+              <a:schemeClr val="lt1"/>
+            </a:fontRef>
+          </p:style>
+          <p:txBody>
+            <a:bodyPr rtlCol="0" anchor="ctr"/>
+            <a:lstStyle/>
+            <a:p>
+              <a:pPr algn="ctr"/>
+              <a:endParaRPr lang="en-US" dirty="0"/>
+            </a:p>
+          </p:txBody>
+        </p:sp>
+        <p:sp>
+          <p:nvSpPr>
+            <p:cNvPr id="30" name="Rettangolo 29"/>
+            <p:cNvSpPr/>
+            <p:nvPr/>
+          </p:nvSpPr>
+          <p:spPr>
+            <a:xfrm>
+              <a:off x="8016240" y="2918459"/>
+              <a:ext cx="1008000" cy="299163"/>
+            </a:xfrm>
+            <a:prstGeom prst="rect">
+              <a:avLst/>
+            </a:prstGeom>
+            <a:solidFill>
+              <a:srgbClr val="7030A0">
+                <a:alpha val="40000"/>
+              </a:srgbClr>
+            </a:solidFill>
+            <a:ln>
+              <a:noFill/>
+            </a:ln>
+          </p:spPr>
+          <p:style>
+            <a:lnRef idx="2">
+              <a:schemeClr val="accent1">
+                <a:shade val="50000"/>
+              </a:schemeClr>
+            </a:lnRef>
+            <a:fillRef idx="1">
+              <a:schemeClr val="accent1"/>
+            </a:fillRef>
+            <a:effectRef idx="0">
+              <a:schemeClr val="accent1"/>
+            </a:effectRef>
+            <a:fontRef idx="minor">
+              <a:schemeClr val="lt1"/>
+            </a:fontRef>
+          </p:style>
+          <p:txBody>
+            <a:bodyPr rtlCol="0" anchor="ctr"/>
+            <a:lstStyle/>
+            <a:p>
+              <a:pPr algn="ctr"/>
+              <a:endParaRPr lang="en-US" dirty="0"/>
+            </a:p>
+          </p:txBody>
+        </p:sp>
+        <p:sp>
+          <p:nvSpPr>
+            <p:cNvPr id="31" name="Rettangolo 30"/>
+            <p:cNvSpPr/>
+            <p:nvPr/>
+          </p:nvSpPr>
+          <p:spPr>
+            <a:xfrm>
+              <a:off x="6653327" y="2918459"/>
+              <a:ext cx="920953" cy="299163"/>
+            </a:xfrm>
+            <a:prstGeom prst="rect">
+              <a:avLst/>
+            </a:prstGeom>
+            <a:solidFill>
+              <a:srgbClr val="7030A0">
+                <a:alpha val="40000"/>
+              </a:srgbClr>
+            </a:solidFill>
+            <a:ln>
+              <a:noFill/>
+            </a:ln>
+          </p:spPr>
+          <p:style>
+            <a:lnRef idx="2">
+              <a:schemeClr val="accent1">
+                <a:shade val="50000"/>
+              </a:schemeClr>
+            </a:lnRef>
+            <a:fillRef idx="1">
+              <a:schemeClr val="accent1"/>
+            </a:fillRef>
+            <a:effectRef idx="0">
+              <a:schemeClr val="accent1"/>
+            </a:effectRef>
+            <a:fontRef idx="minor">
+              <a:schemeClr val="lt1"/>
+            </a:fontRef>
+          </p:style>
+          <p:txBody>
+            <a:bodyPr rtlCol="0" anchor="ctr"/>
+            <a:lstStyle/>
+            <a:p>
+              <a:pPr algn="ctr"/>
+              <a:endParaRPr lang="en-US" dirty="0"/>
+            </a:p>
+          </p:txBody>
+        </p:sp>
+        <p:sp>
+          <p:nvSpPr>
+            <p:cNvPr id="33" name="Rettangolo 32"/>
+            <p:cNvSpPr/>
+            <p:nvPr/>
+          </p:nvSpPr>
+          <p:spPr>
+            <a:xfrm>
+              <a:off x="5100116" y="1713853"/>
+              <a:ext cx="920953" cy="299163"/>
+            </a:xfrm>
+            <a:prstGeom prst="rect">
+              <a:avLst/>
+            </a:prstGeom>
+            <a:solidFill>
+              <a:srgbClr val="7030A0">
+                <a:alpha val="40000"/>
+              </a:srgbClr>
+            </a:solidFill>
             <a:ln>
               <a:noFill/>
             </a:ln>
@@ -4444,246 +4714,6 @@
           </p:txBody>
         </p:sp>
       </p:grpSp>
-      <p:sp>
-        <p:nvSpPr>
-          <p:cNvPr id="28" name="Rettangolo 27"/>
-          <p:cNvSpPr/>
-          <p:nvPr/>
-        </p:nvSpPr>
-        <p:spPr>
-          <a:xfrm>
-            <a:off x="6539027" y="4107181"/>
-            <a:ext cx="768553" cy="315050"/>
-          </a:xfrm>
-          <a:prstGeom prst="rect">
-            <a:avLst/>
-          </a:prstGeom>
-          <a:solidFill>
-            <a:srgbClr val="7030A0">
-              <a:alpha val="40000"/>
-            </a:srgbClr>
-          </a:solidFill>
-          <a:ln>
-            <a:noFill/>
-          </a:ln>
-        </p:spPr>
-        <p:style>
-          <a:lnRef idx="2">
-            <a:schemeClr val="accent1">
-              <a:shade val="50000"/>
-            </a:schemeClr>
-          </a:lnRef>
-          <a:fillRef idx="1">
-            <a:schemeClr val="accent1"/>
-          </a:fillRef>
-          <a:effectRef idx="0">
-            <a:schemeClr val="accent1"/>
-          </a:effectRef>
-          <a:fontRef idx="minor">
-            <a:schemeClr val="lt1"/>
-          </a:fontRef>
-        </p:style>
-        <p:txBody>
-          <a:bodyPr rtlCol="0" anchor="ctr"/>
-          <a:lstStyle/>
-          <a:p>
-            <a:pPr algn="ctr"/>
-            <a:endParaRPr lang="en-US" dirty="0"/>
-          </a:p>
-        </p:txBody>
-      </p:sp>
-      <p:sp>
-        <p:nvSpPr>
-          <p:cNvPr id="29" name="Rettangolo 28"/>
-          <p:cNvSpPr/>
-          <p:nvPr/>
-        </p:nvSpPr>
-        <p:spPr>
-          <a:xfrm>
-            <a:off x="8056224" y="4107181"/>
-            <a:ext cx="798216" cy="315050"/>
-          </a:xfrm>
-          <a:prstGeom prst="rect">
-            <a:avLst/>
-          </a:prstGeom>
-          <a:solidFill>
-            <a:srgbClr val="7030A0">
-              <a:alpha val="40000"/>
-            </a:srgbClr>
-          </a:solidFill>
-          <a:ln>
-            <a:noFill/>
-          </a:ln>
-        </p:spPr>
-        <p:style>
-          <a:lnRef idx="2">
-            <a:schemeClr val="accent1">
-              <a:shade val="50000"/>
-            </a:schemeClr>
-          </a:lnRef>
-          <a:fillRef idx="1">
-            <a:schemeClr val="accent1"/>
-          </a:fillRef>
-          <a:effectRef idx="0">
-            <a:schemeClr val="accent1"/>
-          </a:effectRef>
-          <a:fontRef idx="minor">
-            <a:schemeClr val="lt1"/>
-          </a:fontRef>
-        </p:style>
-        <p:txBody>
-          <a:bodyPr rtlCol="0" anchor="ctr"/>
-          <a:lstStyle/>
-          <a:p>
-            <a:pPr algn="ctr"/>
-            <a:endParaRPr lang="en-US" dirty="0"/>
-          </a:p>
-        </p:txBody>
-      </p:sp>
-      <p:sp>
-        <p:nvSpPr>
-          <p:cNvPr id="30" name="Rettangolo 29"/>
-          <p:cNvSpPr/>
-          <p:nvPr/>
-        </p:nvSpPr>
-        <p:spPr>
-          <a:xfrm>
-            <a:off x="8016240" y="2918459"/>
-            <a:ext cx="1008000" cy="299163"/>
-          </a:xfrm>
-          <a:prstGeom prst="rect">
-            <a:avLst/>
-          </a:prstGeom>
-          <a:solidFill>
-            <a:srgbClr val="7030A0">
-              <a:alpha val="40000"/>
-            </a:srgbClr>
-          </a:solidFill>
-          <a:ln>
-            <a:noFill/>
-          </a:ln>
-        </p:spPr>
-        <p:style>
-          <a:lnRef idx="2">
-            <a:schemeClr val="accent1">
-              <a:shade val="50000"/>
-            </a:schemeClr>
-          </a:lnRef>
-          <a:fillRef idx="1">
-            <a:schemeClr val="accent1"/>
-          </a:fillRef>
-          <a:effectRef idx="0">
-            <a:schemeClr val="accent1"/>
-          </a:effectRef>
-          <a:fontRef idx="minor">
-            <a:schemeClr val="lt1"/>
-          </a:fontRef>
-        </p:style>
-        <p:txBody>
-          <a:bodyPr rtlCol="0" anchor="ctr"/>
-          <a:lstStyle/>
-          <a:p>
-            <a:pPr algn="ctr"/>
-            <a:endParaRPr lang="en-US" dirty="0"/>
-          </a:p>
-        </p:txBody>
-      </p:sp>
-      <p:sp>
-        <p:nvSpPr>
-          <p:cNvPr id="31" name="Rettangolo 30"/>
-          <p:cNvSpPr/>
-          <p:nvPr/>
-        </p:nvSpPr>
-        <p:spPr>
-          <a:xfrm>
-            <a:off x="6653327" y="2918459"/>
-            <a:ext cx="920953" cy="299163"/>
-          </a:xfrm>
-          <a:prstGeom prst="rect">
-            <a:avLst/>
-          </a:prstGeom>
-          <a:solidFill>
-            <a:srgbClr val="7030A0">
-              <a:alpha val="40000"/>
-            </a:srgbClr>
-          </a:solidFill>
-          <a:ln>
-            <a:noFill/>
-          </a:ln>
-        </p:spPr>
-        <p:style>
-          <a:lnRef idx="2">
-            <a:schemeClr val="accent1">
-              <a:shade val="50000"/>
-            </a:schemeClr>
-          </a:lnRef>
-          <a:fillRef idx="1">
-            <a:schemeClr val="accent1"/>
-          </a:fillRef>
-          <a:effectRef idx="0">
-            <a:schemeClr val="accent1"/>
-          </a:effectRef>
-          <a:fontRef idx="minor">
-            <a:schemeClr val="lt1"/>
-          </a:fontRef>
-        </p:style>
-        <p:txBody>
-          <a:bodyPr rtlCol="0" anchor="ctr"/>
-          <a:lstStyle/>
-          <a:p>
-            <a:pPr algn="ctr"/>
-            <a:endParaRPr lang="en-US" dirty="0"/>
-          </a:p>
-        </p:txBody>
-      </p:sp>
-      <p:sp>
-        <p:nvSpPr>
-          <p:cNvPr id="33" name="Rettangolo 32"/>
-          <p:cNvSpPr/>
-          <p:nvPr/>
-        </p:nvSpPr>
-        <p:spPr>
-          <a:xfrm>
-            <a:off x="5100116" y="1713853"/>
-            <a:ext cx="920953" cy="299163"/>
-          </a:xfrm>
-          <a:prstGeom prst="rect">
-            <a:avLst/>
-          </a:prstGeom>
-          <a:solidFill>
-            <a:srgbClr val="7030A0">
-              <a:alpha val="40000"/>
-            </a:srgbClr>
-          </a:solidFill>
-          <a:ln>
-            <a:noFill/>
-          </a:ln>
-        </p:spPr>
-        <p:style>
-          <a:lnRef idx="2">
-            <a:schemeClr val="accent1">
-              <a:shade val="50000"/>
-            </a:schemeClr>
-          </a:lnRef>
-          <a:fillRef idx="1">
-            <a:schemeClr val="accent1"/>
-          </a:fillRef>
-          <a:effectRef idx="0">
-            <a:schemeClr val="accent1"/>
-          </a:effectRef>
-          <a:fontRef idx="minor">
-            <a:schemeClr val="lt1"/>
-          </a:fontRef>
-        </p:style>
-        <p:txBody>
-          <a:bodyPr rtlCol="0" anchor="ctr"/>
-          <a:lstStyle/>
-          <a:p>
-            <a:pPr algn="ctr"/>
-            <a:endParaRPr lang="en-US" dirty="0"/>
-          </a:p>
-        </p:txBody>
-      </p:sp>
       <p:sp>
         <p:nvSpPr>
           <p:cNvPr id="34" name="CasellaDiTesto 33"/>
@@ -6796,30 +6826,6 @@
           <a:chExt cx="0" cy="0"/>
         </a:xfrm>
       </p:grpSpPr>
-      <p:pic>
-        <p:nvPicPr>
-          <p:cNvPr id="7" name="Immagine 6"/>
-          <p:cNvPicPr>
-            <a:picLocks noChangeAspect="1"/>
-          </p:cNvPicPr>
-          <p:nvPr/>
-        </p:nvPicPr>
-        <p:blipFill>
-          <a:blip r:embed="rId2"/>
-          <a:stretch>
-            <a:fillRect/>
-          </a:stretch>
-        </p:blipFill>
-        <p:spPr>
-          <a:xfrm>
-            <a:off x="3038475" y="1384300"/>
-            <a:ext cx="9153525" cy="4572000"/>
-          </a:xfrm>
-          <a:prstGeom prst="rect">
-            <a:avLst/>
-          </a:prstGeom>
-        </p:spPr>
-      </p:pic>
       <p:sp>
         <p:nvSpPr>
           <p:cNvPr id="2" name="Titolo 1"/>
@@ -6875,294 +6881,333 @@
           </a:p>
         </p:txBody>
       </p:sp>
-      <p:sp>
-        <p:nvSpPr>
-          <p:cNvPr id="12" name="Rettangolo 11"/>
-          <p:cNvSpPr/>
+      <p:grpSp>
+        <p:nvGrpSpPr>
+          <p:cNvPr id="3" name="Gruppo 2"/>
+          <p:cNvGrpSpPr/>
           <p:nvPr/>
-        </p:nvSpPr>
-        <p:spPr>
+        </p:nvGrpSpPr>
+        <p:grpSpPr>
           <a:xfrm>
-            <a:off x="4006464" y="3114816"/>
-            <a:ext cx="1060836" cy="262469"/>
+            <a:off x="3038475" y="1384300"/>
+            <a:ext cx="9153525" cy="4572000"/>
+            <a:chOff x="3038475" y="1384300"/>
+            <a:chExt cx="9153525" cy="4572000"/>
           </a:xfrm>
-          <a:prstGeom prst="rect">
-            <a:avLst/>
-          </a:prstGeom>
-          <a:solidFill>
-            <a:srgbClr val="FF0000">
-              <a:alpha val="40000"/>
-            </a:srgbClr>
-          </a:solidFill>
-          <a:ln>
-            <a:noFill/>
-          </a:ln>
-        </p:spPr>
-        <p:style>
-          <a:lnRef idx="2">
-            <a:schemeClr val="accent1">
-              <a:shade val="50000"/>
-            </a:schemeClr>
-          </a:lnRef>
-          <a:fillRef idx="1">
-            <a:schemeClr val="accent1"/>
-          </a:fillRef>
-          <a:effectRef idx="0">
-            <a:schemeClr val="accent1"/>
-          </a:effectRef>
-          <a:fontRef idx="minor">
-            <a:schemeClr val="lt1"/>
-          </a:fontRef>
-        </p:style>
-        <p:txBody>
-          <a:bodyPr rtlCol="0" anchor="ctr"/>
-          <a:lstStyle/>
-          <a:p>
-            <a:pPr algn="ctr"/>
-            <a:endParaRPr lang="it-IT" dirty="0"/>
-          </a:p>
-        </p:txBody>
-      </p:sp>
-      <p:sp>
-        <p:nvSpPr>
-          <p:cNvPr id="13" name="Rettangolo 12"/>
-          <p:cNvSpPr/>
-          <p:nvPr/>
-        </p:nvSpPr>
-        <p:spPr>
-          <a:xfrm>
-            <a:off x="8741852" y="5497830"/>
-            <a:ext cx="602808" cy="260350"/>
-          </a:xfrm>
-          <a:prstGeom prst="rect">
-            <a:avLst/>
-          </a:prstGeom>
-          <a:solidFill>
-            <a:srgbClr val="0070C0">
-              <a:alpha val="40000"/>
-            </a:srgbClr>
-          </a:solidFill>
-          <a:ln>
-            <a:noFill/>
-          </a:ln>
-        </p:spPr>
-        <p:style>
-          <a:lnRef idx="2">
-            <a:schemeClr val="accent1">
-              <a:shade val="50000"/>
-            </a:schemeClr>
-          </a:lnRef>
-          <a:fillRef idx="1">
-            <a:schemeClr val="accent1"/>
-          </a:fillRef>
-          <a:effectRef idx="0">
-            <a:schemeClr val="accent1"/>
-          </a:effectRef>
-          <a:fontRef idx="minor">
-            <a:schemeClr val="lt1"/>
-          </a:fontRef>
-        </p:style>
-        <p:txBody>
-          <a:bodyPr rtlCol="0" anchor="ctr"/>
-          <a:lstStyle/>
-          <a:p>
-            <a:pPr algn="ctr"/>
-            <a:endParaRPr lang="it-IT" dirty="0"/>
-          </a:p>
-        </p:txBody>
-      </p:sp>
-      <p:sp>
-        <p:nvSpPr>
-          <p:cNvPr id="14" name="Rettangolo 13"/>
-          <p:cNvSpPr/>
-          <p:nvPr/>
-        </p:nvSpPr>
-        <p:spPr>
-          <a:xfrm>
-            <a:off x="4272722" y="4641850"/>
-            <a:ext cx="602808" cy="260350"/>
-          </a:xfrm>
-          <a:prstGeom prst="rect">
-            <a:avLst/>
-          </a:prstGeom>
-          <a:solidFill>
-            <a:srgbClr val="0070C0">
-              <a:alpha val="40000"/>
-            </a:srgbClr>
-          </a:solidFill>
-          <a:ln>
-            <a:noFill/>
-          </a:ln>
-        </p:spPr>
-        <p:style>
-          <a:lnRef idx="2">
-            <a:schemeClr val="accent1">
-              <a:shade val="50000"/>
-            </a:schemeClr>
-          </a:lnRef>
-          <a:fillRef idx="1">
-            <a:schemeClr val="accent1"/>
-          </a:fillRef>
-          <a:effectRef idx="0">
-            <a:schemeClr val="accent1"/>
-          </a:effectRef>
-          <a:fontRef idx="minor">
-            <a:schemeClr val="lt1"/>
-          </a:fontRef>
-        </p:style>
-        <p:txBody>
-          <a:bodyPr rtlCol="0" anchor="ctr"/>
-          <a:lstStyle/>
-          <a:p>
-            <a:pPr algn="ctr"/>
-            <a:endParaRPr lang="it-IT" dirty="0"/>
-          </a:p>
-        </p:txBody>
-      </p:sp>
-      <p:sp>
-        <p:nvSpPr>
-          <p:cNvPr id="16" name="Rettangolo 15"/>
-          <p:cNvSpPr/>
-          <p:nvPr/>
-        </p:nvSpPr>
-        <p:spPr>
-          <a:xfrm>
-            <a:off x="3824632" y="5497830"/>
-            <a:ext cx="1181708" cy="260350"/>
-          </a:xfrm>
-          <a:prstGeom prst="rect">
-            <a:avLst/>
-          </a:prstGeom>
-          <a:solidFill>
-            <a:srgbClr val="FF0000">
-              <a:alpha val="40000"/>
-            </a:srgbClr>
-          </a:solidFill>
-          <a:ln>
-            <a:noFill/>
-          </a:ln>
-        </p:spPr>
-        <p:style>
-          <a:lnRef idx="2">
-            <a:schemeClr val="accent1">
-              <a:shade val="50000"/>
-            </a:schemeClr>
-          </a:lnRef>
-          <a:fillRef idx="1">
-            <a:schemeClr val="accent1"/>
-          </a:fillRef>
-          <a:effectRef idx="0">
-            <a:schemeClr val="accent1"/>
-          </a:effectRef>
-          <a:fontRef idx="minor">
-            <a:schemeClr val="lt1"/>
-          </a:fontRef>
-        </p:style>
-        <p:txBody>
-          <a:bodyPr rtlCol="0" anchor="ctr"/>
-          <a:lstStyle/>
-          <a:p>
-            <a:pPr algn="ctr"/>
-            <a:endParaRPr lang="it-IT" dirty="0"/>
-          </a:p>
-        </p:txBody>
-      </p:sp>
-      <p:sp>
-        <p:nvSpPr>
-          <p:cNvPr id="17" name="Rettangolo 16"/>
-          <p:cNvSpPr/>
-          <p:nvPr/>
-        </p:nvSpPr>
-        <p:spPr>
-          <a:xfrm>
-            <a:off x="10265852" y="3114815"/>
-            <a:ext cx="846648" cy="262469"/>
-          </a:xfrm>
-          <a:prstGeom prst="rect">
-            <a:avLst/>
-          </a:prstGeom>
-          <a:solidFill>
-            <a:srgbClr val="00B0F0">
-              <a:alpha val="40000"/>
-            </a:srgbClr>
-          </a:solidFill>
-          <a:ln>
-            <a:noFill/>
-          </a:ln>
-        </p:spPr>
-        <p:style>
-          <a:lnRef idx="2">
-            <a:schemeClr val="accent1">
-              <a:shade val="50000"/>
-            </a:schemeClr>
-          </a:lnRef>
-          <a:fillRef idx="1">
-            <a:schemeClr val="accent1"/>
-          </a:fillRef>
-          <a:effectRef idx="0">
-            <a:schemeClr val="accent1"/>
-          </a:effectRef>
-          <a:fontRef idx="minor">
-            <a:schemeClr val="lt1"/>
-          </a:fontRef>
-        </p:style>
-        <p:txBody>
-          <a:bodyPr rtlCol="0" anchor="ctr"/>
-          <a:lstStyle/>
-          <a:p>
-            <a:pPr algn="ctr"/>
-            <a:endParaRPr lang="it-IT" dirty="0"/>
-          </a:p>
-        </p:txBody>
-      </p:sp>
-      <p:sp>
-        <p:nvSpPr>
-          <p:cNvPr id="18" name="Rettangolo 17"/>
-          <p:cNvSpPr/>
-          <p:nvPr/>
-        </p:nvSpPr>
-        <p:spPr>
-          <a:xfrm>
-            <a:off x="3242752" y="2348188"/>
-            <a:ext cx="846648" cy="262469"/>
-          </a:xfrm>
-          <a:prstGeom prst="rect">
-            <a:avLst/>
-          </a:prstGeom>
-          <a:solidFill>
-            <a:srgbClr val="00B0F0">
-              <a:alpha val="40000"/>
-            </a:srgbClr>
-          </a:solidFill>
-          <a:ln>
-            <a:noFill/>
-          </a:ln>
-        </p:spPr>
-        <p:style>
-          <a:lnRef idx="2">
-            <a:schemeClr val="accent1">
-              <a:shade val="50000"/>
-            </a:schemeClr>
-          </a:lnRef>
-          <a:fillRef idx="1">
-            <a:schemeClr val="accent1"/>
-          </a:fillRef>
-          <a:effectRef idx="0">
-            <a:schemeClr val="accent1"/>
-          </a:effectRef>
-          <a:fontRef idx="minor">
-            <a:schemeClr val="lt1"/>
-          </a:fontRef>
-        </p:style>
-        <p:txBody>
-          <a:bodyPr rtlCol="0" anchor="ctr"/>
-          <a:lstStyle/>
-          <a:p>
-            <a:pPr algn="ctr"/>
-            <a:endParaRPr lang="it-IT" dirty="0"/>
-          </a:p>
-        </p:txBody>
-      </p:sp>
+        </p:grpSpPr>
+        <p:pic>
+          <p:nvPicPr>
+            <p:cNvPr id="7" name="Immagine 6"/>
+            <p:cNvPicPr>
+              <a:picLocks noChangeAspect="1"/>
+            </p:cNvPicPr>
+            <p:nvPr/>
+          </p:nvPicPr>
+          <p:blipFill>
+            <a:blip r:embed="rId2"/>
+            <a:stretch>
+              <a:fillRect/>
+            </a:stretch>
+          </p:blipFill>
+          <p:spPr>
+            <a:xfrm>
+              <a:off x="3038475" y="1384300"/>
+              <a:ext cx="9153525" cy="4572000"/>
+            </a:xfrm>
+            <a:prstGeom prst="rect">
+              <a:avLst/>
+            </a:prstGeom>
+          </p:spPr>
+        </p:pic>
+        <p:sp>
+          <p:nvSpPr>
+            <p:cNvPr id="12" name="Rettangolo 11"/>
+            <p:cNvSpPr/>
+            <p:nvPr/>
+          </p:nvSpPr>
+          <p:spPr>
+            <a:xfrm>
+              <a:off x="4006464" y="3114816"/>
+              <a:ext cx="1060836" cy="262469"/>
+            </a:xfrm>
+            <a:prstGeom prst="rect">
+              <a:avLst/>
+            </a:prstGeom>
+            <a:solidFill>
+              <a:srgbClr val="FF0000">
+                <a:alpha val="40000"/>
+              </a:srgbClr>
+            </a:solidFill>
+            <a:ln>
+              <a:noFill/>
+            </a:ln>
+          </p:spPr>
+          <p:style>
+            <a:lnRef idx="2">
+              <a:schemeClr val="accent1">
+                <a:shade val="50000"/>
+              </a:schemeClr>
+            </a:lnRef>
+            <a:fillRef idx="1">
+              <a:schemeClr val="accent1"/>
+            </a:fillRef>
+            <a:effectRef idx="0">
+              <a:schemeClr val="accent1"/>
+            </a:effectRef>
+            <a:fontRef idx="minor">
+              <a:schemeClr val="lt1"/>
+            </a:fontRef>
+          </p:style>
+          <p:txBody>
+            <a:bodyPr rtlCol="0" anchor="ctr"/>
+            <a:lstStyle/>
+            <a:p>
+              <a:pPr algn="ctr"/>
+              <a:endParaRPr lang="it-IT" dirty="0"/>
+            </a:p>
+          </p:txBody>
+        </p:sp>
+        <p:sp>
+          <p:nvSpPr>
+            <p:cNvPr id="13" name="Rettangolo 12"/>
+            <p:cNvSpPr/>
+            <p:nvPr/>
+          </p:nvSpPr>
+          <p:spPr>
+            <a:xfrm>
+              <a:off x="8741852" y="5497830"/>
+              <a:ext cx="602808" cy="260350"/>
+            </a:xfrm>
+            <a:prstGeom prst="rect">
+              <a:avLst/>
+            </a:prstGeom>
+            <a:solidFill>
+              <a:srgbClr val="0070C0">
+                <a:alpha val="40000"/>
+              </a:srgbClr>
+            </a:solidFill>
+            <a:ln>
+              <a:noFill/>
+            </a:ln>
+          </p:spPr>
+          <p:style>
+            <a:lnRef idx="2">
+              <a:schemeClr val="accent1">
+                <a:shade val="50000"/>
+              </a:schemeClr>
+            </a:lnRef>
+            <a:fillRef idx="1">
+              <a:schemeClr val="accent1"/>
+            </a:fillRef>
+            <a:effectRef idx="0">
+              <a:schemeClr val="accent1"/>
+            </a:effectRef>
+            <a:fontRef idx="minor">
+              <a:schemeClr val="lt1"/>
+            </a:fontRef>
+          </p:style>
+          <p:txBody>
+            <a:bodyPr rtlCol="0" anchor="ctr"/>
+            <a:lstStyle/>
+            <a:p>
+              <a:pPr algn="ctr"/>
+              <a:endParaRPr lang="it-IT" dirty="0"/>
+            </a:p>
+          </p:txBody>
+        </p:sp>
+        <p:sp>
+          <p:nvSpPr>
+            <p:cNvPr id="14" name="Rettangolo 13"/>
+            <p:cNvSpPr/>
+            <p:nvPr/>
+          </p:nvSpPr>
+          <p:spPr>
+            <a:xfrm>
+              <a:off x="4272722" y="4641850"/>
+              <a:ext cx="602808" cy="260350"/>
+            </a:xfrm>
+            <a:prstGeom prst="rect">
+              <a:avLst/>
+            </a:prstGeom>
+            <a:solidFill>
+              <a:srgbClr val="0070C0">
+                <a:alpha val="40000"/>
+              </a:srgbClr>
+            </a:solidFill>
+            <a:ln>
+              <a:noFill/>
+            </a:ln>
+          </p:spPr>
+          <p:style>
+            <a:lnRef idx="2">
+              <a:schemeClr val="accent1">
+                <a:shade val="50000"/>
+              </a:schemeClr>
+            </a:lnRef>
+            <a:fillRef idx="1">
+              <a:schemeClr val="accent1"/>
+            </a:fillRef>
+            <a:effectRef idx="0">
+              <a:schemeClr val="accent1"/>
+            </a:effectRef>
+            <a:fontRef idx="minor">
+              <a:schemeClr val="lt1"/>
+            </a:fontRef>
+          </p:style>
+          <p:txBody>
+            <a:bodyPr rtlCol="0" anchor="ctr"/>
+            <a:lstStyle/>
+            <a:p>
+              <a:pPr algn="ctr"/>
+              <a:endParaRPr lang="it-IT" dirty="0"/>
+            </a:p>
+          </p:txBody>
+        </p:sp>
+        <p:sp>
+          <p:nvSpPr>
+            <p:cNvPr id="16" name="Rettangolo 15"/>
+            <p:cNvSpPr/>
+            <p:nvPr/>
+          </p:nvSpPr>
+          <p:spPr>
+            <a:xfrm>
+              <a:off x="3824632" y="5497830"/>
+              <a:ext cx="1181708" cy="260350"/>
+            </a:xfrm>
+            <a:prstGeom prst="rect">
+              <a:avLst/>
+            </a:prstGeom>
+            <a:solidFill>
+              <a:srgbClr val="FF0000">
+                <a:alpha val="40000"/>
+              </a:srgbClr>
+            </a:solidFill>
+            <a:ln>
+              <a:noFill/>
+            </a:ln>
+          </p:spPr>
+          <p:style>
+            <a:lnRef idx="2">
+              <a:schemeClr val="accent1">
+                <a:shade val="50000"/>
+              </a:schemeClr>
+            </a:lnRef>
+            <a:fillRef idx="1">
+              <a:schemeClr val="accent1"/>
+            </a:fillRef>
+            <a:effectRef idx="0">
+              <a:schemeClr val="accent1"/>
+            </a:effectRef>
+            <a:fontRef idx="minor">
+              <a:schemeClr val="lt1"/>
+            </a:fontRef>
+          </p:style>
+          <p:txBody>
+            <a:bodyPr rtlCol="0" anchor="ctr"/>
+            <a:lstStyle/>
+            <a:p>
+              <a:pPr algn="ctr"/>
+              <a:endParaRPr lang="it-IT" dirty="0"/>
+            </a:p>
+          </p:txBody>
+        </p:sp>
+        <p:sp>
+          <p:nvSpPr>
+            <p:cNvPr id="17" name="Rettangolo 16"/>
+            <p:cNvSpPr/>
+            <p:nvPr/>
+          </p:nvSpPr>
+          <p:spPr>
+            <a:xfrm>
+              <a:off x="10265852" y="3114815"/>
+              <a:ext cx="846648" cy="262469"/>
+            </a:xfrm>
+            <a:prstGeom prst="rect">
+              <a:avLst/>
+            </a:prstGeom>
+            <a:solidFill>
+              <a:srgbClr val="00B0F0">
+                <a:alpha val="40000"/>
+              </a:srgbClr>
+            </a:solidFill>
+            <a:ln>
+              <a:noFill/>
+            </a:ln>
+          </p:spPr>
+          <p:style>
+            <a:lnRef idx="2">
+              <a:schemeClr val="accent1">
+                <a:shade val="50000"/>
+              </a:schemeClr>
+            </a:lnRef>
+            <a:fillRef idx="1">
+              <a:schemeClr val="accent1"/>
+            </a:fillRef>
+            <a:effectRef idx="0">
+              <a:schemeClr val="accent1"/>
+            </a:effectRef>
+            <a:fontRef idx="minor">
+              <a:schemeClr val="lt1"/>
+            </a:fontRef>
+          </p:style>
+          <p:txBody>
+            <a:bodyPr rtlCol="0" anchor="ctr"/>
+            <a:lstStyle/>
+            <a:p>
+              <a:pPr algn="ctr"/>
+              <a:endParaRPr lang="it-IT" dirty="0"/>
+            </a:p>
+          </p:txBody>
+        </p:sp>
+        <p:sp>
+          <p:nvSpPr>
+            <p:cNvPr id="18" name="Rettangolo 17"/>
+            <p:cNvSpPr/>
+            <p:nvPr/>
+          </p:nvSpPr>
+          <p:spPr>
+            <a:xfrm>
+              <a:off x="3242752" y="2348188"/>
+              <a:ext cx="846648" cy="262469"/>
+            </a:xfrm>
+            <a:prstGeom prst="rect">
+              <a:avLst/>
+            </a:prstGeom>
+            <a:solidFill>
+              <a:srgbClr val="00B0F0">
+                <a:alpha val="40000"/>
+              </a:srgbClr>
+            </a:solidFill>
+            <a:ln>
+              <a:noFill/>
+            </a:ln>
+          </p:spPr>
+          <p:style>
+            <a:lnRef idx="2">
+              <a:schemeClr val="accent1">
+                <a:shade val="50000"/>
+              </a:schemeClr>
+            </a:lnRef>
+            <a:fillRef idx="1">
+              <a:schemeClr val="accent1"/>
+            </a:fillRef>
+            <a:effectRef idx="0">
+              <a:schemeClr val="accent1"/>
+            </a:effectRef>
+            <a:fontRef idx="minor">
+              <a:schemeClr val="lt1"/>
+            </a:fontRef>
+          </p:style>
+          <p:txBody>
+            <a:bodyPr rtlCol="0" anchor="ctr"/>
+            <a:lstStyle/>
+            <a:p>
+              <a:pPr algn="ctr"/>
+              <a:endParaRPr lang="it-IT" dirty="0"/>
+            </a:p>
+          </p:txBody>
+        </p:sp>
+      </p:grpSp>
       <p:sp>
         <p:nvSpPr>
           <p:cNvPr id="20" name="Segnaposto testo 14"/>
@@ -7414,30 +7459,6 @@
           <a:chExt cx="0" cy="0"/>
         </a:xfrm>
       </p:grpSpPr>
-      <p:pic>
-        <p:nvPicPr>
-          <p:cNvPr id="7" name="Immagine 6"/>
-          <p:cNvPicPr>
-            <a:picLocks noChangeAspect="1"/>
-          </p:cNvPicPr>
-          <p:nvPr/>
-        </p:nvPicPr>
-        <p:blipFill>
-          <a:blip r:embed="rId2"/>
-          <a:stretch>
-            <a:fillRect/>
-          </a:stretch>
-        </p:blipFill>
-        <p:spPr>
-          <a:xfrm>
-            <a:off x="3038475" y="1384300"/>
-            <a:ext cx="9153525" cy="4572000"/>
-          </a:xfrm>
-          <a:prstGeom prst="rect">
-            <a:avLst/>
-          </a:prstGeom>
-        </p:spPr>
-      </p:pic>
       <p:sp>
         <p:nvSpPr>
           <p:cNvPr id="2" name="Titolo 1"/>
@@ -7565,342 +7586,381 @@
           </a:p>
         </p:txBody>
       </p:sp>
-      <p:sp>
-        <p:nvSpPr>
-          <p:cNvPr id="12" name="Rettangolo 11"/>
-          <p:cNvSpPr/>
+      <p:grpSp>
+        <p:nvGrpSpPr>
+          <p:cNvPr id="3" name="Gruppo 2"/>
+          <p:cNvGrpSpPr/>
           <p:nvPr/>
-        </p:nvSpPr>
-        <p:spPr>
+        </p:nvGrpSpPr>
+        <p:grpSpPr>
           <a:xfrm>
-            <a:off x="4006464" y="3114816"/>
-            <a:ext cx="1060836" cy="262469"/>
+            <a:off x="3038475" y="1384300"/>
+            <a:ext cx="9153525" cy="4572000"/>
+            <a:chOff x="3038475" y="1384300"/>
+            <a:chExt cx="9153525" cy="4572000"/>
           </a:xfrm>
-          <a:prstGeom prst="rect">
-            <a:avLst/>
-          </a:prstGeom>
-          <a:solidFill>
-            <a:srgbClr val="FF0000">
-              <a:alpha val="40000"/>
-            </a:srgbClr>
-          </a:solidFill>
-          <a:ln>
-            <a:noFill/>
-          </a:ln>
-        </p:spPr>
-        <p:style>
-          <a:lnRef idx="2">
-            <a:schemeClr val="accent1">
-              <a:shade val="50000"/>
-            </a:schemeClr>
-          </a:lnRef>
-          <a:fillRef idx="1">
-            <a:schemeClr val="accent1"/>
-          </a:fillRef>
-          <a:effectRef idx="0">
-            <a:schemeClr val="accent1"/>
-          </a:effectRef>
-          <a:fontRef idx="minor">
-            <a:schemeClr val="lt1"/>
-          </a:fontRef>
-        </p:style>
-        <p:txBody>
-          <a:bodyPr rtlCol="0" anchor="ctr"/>
-          <a:lstStyle/>
-          <a:p>
-            <a:pPr algn="ctr"/>
-            <a:endParaRPr lang="it-IT" dirty="0"/>
-          </a:p>
-        </p:txBody>
-      </p:sp>
-      <p:sp>
-        <p:nvSpPr>
-          <p:cNvPr id="13" name="Rettangolo 12"/>
-          <p:cNvSpPr/>
-          <p:nvPr/>
-        </p:nvSpPr>
-        <p:spPr>
-          <a:xfrm>
-            <a:off x="8741852" y="5497830"/>
-            <a:ext cx="602808" cy="260350"/>
-          </a:xfrm>
-          <a:prstGeom prst="rect">
-            <a:avLst/>
-          </a:prstGeom>
-          <a:solidFill>
-            <a:srgbClr val="0070C0">
-              <a:alpha val="40000"/>
-            </a:srgbClr>
-          </a:solidFill>
-          <a:ln>
-            <a:noFill/>
-          </a:ln>
-        </p:spPr>
-        <p:style>
-          <a:lnRef idx="2">
-            <a:schemeClr val="accent1">
-              <a:shade val="50000"/>
-            </a:schemeClr>
-          </a:lnRef>
-          <a:fillRef idx="1">
-            <a:schemeClr val="accent1"/>
-          </a:fillRef>
-          <a:effectRef idx="0">
-            <a:schemeClr val="accent1"/>
-          </a:effectRef>
-          <a:fontRef idx="minor">
-            <a:schemeClr val="lt1"/>
-          </a:fontRef>
-        </p:style>
-        <p:txBody>
-          <a:bodyPr rtlCol="0" anchor="ctr"/>
-          <a:lstStyle/>
-          <a:p>
-            <a:pPr algn="ctr"/>
-            <a:endParaRPr lang="it-IT" dirty="0"/>
-          </a:p>
-        </p:txBody>
-      </p:sp>
-      <p:sp>
-        <p:nvSpPr>
-          <p:cNvPr id="14" name="Rettangolo 13"/>
-          <p:cNvSpPr/>
-          <p:nvPr/>
-        </p:nvSpPr>
-        <p:spPr>
-          <a:xfrm>
-            <a:off x="4272722" y="4641850"/>
-            <a:ext cx="602808" cy="260350"/>
-          </a:xfrm>
-          <a:prstGeom prst="rect">
-            <a:avLst/>
-          </a:prstGeom>
-          <a:solidFill>
-            <a:srgbClr val="0070C0">
-              <a:alpha val="40000"/>
-            </a:srgbClr>
-          </a:solidFill>
-          <a:ln>
-            <a:noFill/>
-          </a:ln>
-        </p:spPr>
-        <p:style>
-          <a:lnRef idx="2">
-            <a:schemeClr val="accent1">
-              <a:shade val="50000"/>
-            </a:schemeClr>
-          </a:lnRef>
-          <a:fillRef idx="1">
-            <a:schemeClr val="accent1"/>
-          </a:fillRef>
-          <a:effectRef idx="0">
-            <a:schemeClr val="accent1"/>
-          </a:effectRef>
-          <a:fontRef idx="minor">
-            <a:schemeClr val="lt1"/>
-          </a:fontRef>
-        </p:style>
-        <p:txBody>
-          <a:bodyPr rtlCol="0" anchor="ctr"/>
-          <a:lstStyle/>
-          <a:p>
-            <a:pPr algn="ctr"/>
-            <a:endParaRPr lang="it-IT" dirty="0"/>
-          </a:p>
-        </p:txBody>
-      </p:sp>
-      <p:sp>
-        <p:nvSpPr>
-          <p:cNvPr id="16" name="Rettangolo 15"/>
-          <p:cNvSpPr/>
-          <p:nvPr/>
-        </p:nvSpPr>
-        <p:spPr>
-          <a:xfrm>
-            <a:off x="3824632" y="5497830"/>
-            <a:ext cx="1181708" cy="260350"/>
-          </a:xfrm>
-          <a:prstGeom prst="rect">
-            <a:avLst/>
-          </a:prstGeom>
-          <a:solidFill>
-            <a:srgbClr val="FF0000">
-              <a:alpha val="40000"/>
-            </a:srgbClr>
-          </a:solidFill>
-          <a:ln>
-            <a:noFill/>
-          </a:ln>
-        </p:spPr>
-        <p:style>
-          <a:lnRef idx="2">
-            <a:schemeClr val="accent1">
-              <a:shade val="50000"/>
-            </a:schemeClr>
-          </a:lnRef>
-          <a:fillRef idx="1">
-            <a:schemeClr val="accent1"/>
-          </a:fillRef>
-          <a:effectRef idx="0">
-            <a:schemeClr val="accent1"/>
-          </a:effectRef>
-          <a:fontRef idx="minor">
-            <a:schemeClr val="lt1"/>
-          </a:fontRef>
-        </p:style>
-        <p:txBody>
-          <a:bodyPr rtlCol="0" anchor="ctr"/>
-          <a:lstStyle/>
-          <a:p>
-            <a:pPr algn="ctr"/>
-            <a:endParaRPr lang="it-IT" dirty="0"/>
-          </a:p>
-        </p:txBody>
-      </p:sp>
-      <p:sp>
-        <p:nvSpPr>
-          <p:cNvPr id="17" name="Rettangolo 16"/>
-          <p:cNvSpPr/>
-          <p:nvPr/>
-        </p:nvSpPr>
-        <p:spPr>
-          <a:xfrm>
-            <a:off x="10265852" y="3114815"/>
-            <a:ext cx="846648" cy="262469"/>
-          </a:xfrm>
-          <a:prstGeom prst="rect">
-            <a:avLst/>
-          </a:prstGeom>
-          <a:solidFill>
-            <a:srgbClr val="00B0F0">
-              <a:alpha val="40000"/>
-            </a:srgbClr>
-          </a:solidFill>
-          <a:ln>
-            <a:noFill/>
-          </a:ln>
-        </p:spPr>
-        <p:style>
-          <a:lnRef idx="2">
-            <a:schemeClr val="accent1">
-              <a:shade val="50000"/>
-            </a:schemeClr>
-          </a:lnRef>
-          <a:fillRef idx="1">
-            <a:schemeClr val="accent1"/>
-          </a:fillRef>
-          <a:effectRef idx="0">
-            <a:schemeClr val="accent1"/>
-          </a:effectRef>
-          <a:fontRef idx="minor">
-            <a:schemeClr val="lt1"/>
-          </a:fontRef>
-        </p:style>
-        <p:txBody>
-          <a:bodyPr rtlCol="0" anchor="ctr"/>
-          <a:lstStyle/>
-          <a:p>
-            <a:pPr algn="ctr"/>
-            <a:endParaRPr lang="it-IT" dirty="0"/>
-          </a:p>
-        </p:txBody>
-      </p:sp>
-      <p:sp>
-        <p:nvSpPr>
-          <p:cNvPr id="18" name="Rettangolo 17"/>
-          <p:cNvSpPr/>
-          <p:nvPr/>
-        </p:nvSpPr>
-        <p:spPr>
-          <a:xfrm>
-            <a:off x="3242752" y="2348188"/>
-            <a:ext cx="846648" cy="262469"/>
-          </a:xfrm>
-          <a:prstGeom prst="rect">
-            <a:avLst/>
-          </a:prstGeom>
-          <a:solidFill>
-            <a:srgbClr val="00B0F0">
-              <a:alpha val="40000"/>
-            </a:srgbClr>
-          </a:solidFill>
-          <a:ln>
-            <a:noFill/>
-          </a:ln>
-        </p:spPr>
-        <p:style>
-          <a:lnRef idx="2">
-            <a:schemeClr val="accent1">
-              <a:shade val="50000"/>
-            </a:schemeClr>
-          </a:lnRef>
-          <a:fillRef idx="1">
-            <a:schemeClr val="accent1"/>
-          </a:fillRef>
-          <a:effectRef idx="0">
-            <a:schemeClr val="accent1"/>
-          </a:effectRef>
-          <a:fontRef idx="minor">
-            <a:schemeClr val="lt1"/>
-          </a:fontRef>
-        </p:style>
-        <p:txBody>
-          <a:bodyPr rtlCol="0" anchor="ctr"/>
-          <a:lstStyle/>
-          <a:p>
-            <a:pPr algn="ctr"/>
-            <a:endParaRPr lang="it-IT" dirty="0"/>
-          </a:p>
-        </p:txBody>
-      </p:sp>
-      <p:sp>
-        <p:nvSpPr>
-          <p:cNvPr id="11" name="Rettangolo 10"/>
-          <p:cNvSpPr/>
-          <p:nvPr/>
-        </p:nvSpPr>
-        <p:spPr>
-          <a:xfrm>
-            <a:off x="3245408" y="1590566"/>
-            <a:ext cx="843992" cy="264728"/>
-          </a:xfrm>
-          <a:prstGeom prst="rect">
-            <a:avLst/>
-          </a:prstGeom>
-          <a:solidFill>
-            <a:srgbClr val="FF0066">
-              <a:alpha val="40000"/>
-            </a:srgbClr>
-          </a:solidFill>
-          <a:ln>
-            <a:noFill/>
-          </a:ln>
-        </p:spPr>
-        <p:style>
-          <a:lnRef idx="2">
-            <a:schemeClr val="accent1">
-              <a:shade val="50000"/>
-            </a:schemeClr>
-          </a:lnRef>
-          <a:fillRef idx="1">
-            <a:schemeClr val="accent1"/>
-          </a:fillRef>
-          <a:effectRef idx="0">
-            <a:schemeClr val="accent1"/>
-          </a:effectRef>
-          <a:fontRef idx="minor">
-            <a:schemeClr val="lt1"/>
-          </a:fontRef>
-        </p:style>
-        <p:txBody>
-          <a:bodyPr rtlCol="0" anchor="ctr"/>
-          <a:lstStyle/>
-          <a:p>
-            <a:pPr algn="ctr"/>
-            <a:endParaRPr lang="it-IT" dirty="0"/>
-          </a:p>
-        </p:txBody>
-      </p:sp>
+        </p:grpSpPr>
+        <p:pic>
+          <p:nvPicPr>
+            <p:cNvPr id="7" name="Immagine 6"/>
+            <p:cNvPicPr>
+              <a:picLocks noChangeAspect="1"/>
+            </p:cNvPicPr>
+            <p:nvPr/>
+          </p:nvPicPr>
+          <p:blipFill>
+            <a:blip r:embed="rId2"/>
+            <a:stretch>
+              <a:fillRect/>
+            </a:stretch>
+          </p:blipFill>
+          <p:spPr>
+            <a:xfrm>
+              <a:off x="3038475" y="1384300"/>
+              <a:ext cx="9153525" cy="4572000"/>
+            </a:xfrm>
+            <a:prstGeom prst="rect">
+              <a:avLst/>
+            </a:prstGeom>
+          </p:spPr>
+        </p:pic>
+        <p:sp>
+          <p:nvSpPr>
+            <p:cNvPr id="12" name="Rettangolo 11"/>
+            <p:cNvSpPr/>
+            <p:nvPr/>
+          </p:nvSpPr>
+          <p:spPr>
+            <a:xfrm>
+              <a:off x="4006464" y="3114816"/>
+              <a:ext cx="1060836" cy="262469"/>
+            </a:xfrm>
+            <a:prstGeom prst="rect">
+              <a:avLst/>
+            </a:prstGeom>
+            <a:solidFill>
+              <a:srgbClr val="FF0000">
+                <a:alpha val="40000"/>
+              </a:srgbClr>
+            </a:solidFill>
+            <a:ln>
+              <a:noFill/>
+            </a:ln>
+          </p:spPr>
+          <p:style>
+            <a:lnRef idx="2">
+              <a:schemeClr val="accent1">
+                <a:shade val="50000"/>
+              </a:schemeClr>
+            </a:lnRef>
+            <a:fillRef idx="1">
+              <a:schemeClr val="accent1"/>
+            </a:fillRef>
+            <a:effectRef idx="0">
+              <a:schemeClr val="accent1"/>
+            </a:effectRef>
+            <a:fontRef idx="minor">
+              <a:schemeClr val="lt1"/>
+            </a:fontRef>
+          </p:style>
+          <p:txBody>
+            <a:bodyPr rtlCol="0" anchor="ctr"/>
+            <a:lstStyle/>
+            <a:p>
+              <a:pPr algn="ctr"/>
+              <a:endParaRPr lang="it-IT" dirty="0"/>
+            </a:p>
+          </p:txBody>
+        </p:sp>
+        <p:sp>
+          <p:nvSpPr>
+            <p:cNvPr id="13" name="Rettangolo 12"/>
+            <p:cNvSpPr/>
+            <p:nvPr/>
+          </p:nvSpPr>
+          <p:spPr>
+            <a:xfrm>
+              <a:off x="8741852" y="5497830"/>
+              <a:ext cx="602808" cy="260350"/>
+            </a:xfrm>
+            <a:prstGeom prst="rect">
+              <a:avLst/>
+            </a:prstGeom>
+            <a:solidFill>
+              <a:srgbClr val="0070C0">
+                <a:alpha val="40000"/>
+              </a:srgbClr>
+            </a:solidFill>
+            <a:ln>
+              <a:noFill/>
+            </a:ln>
+          </p:spPr>
+          <p:style>
+            <a:lnRef idx="2">
+              <a:schemeClr val="accent1">
+                <a:shade val="50000"/>
+              </a:schemeClr>
+            </a:lnRef>
+            <a:fillRef idx="1">
+              <a:schemeClr val="accent1"/>
+            </a:fillRef>
+            <a:effectRef idx="0">
+              <a:schemeClr val="accent1"/>
+            </a:effectRef>
+            <a:fontRef idx="minor">
+              <a:schemeClr val="lt1"/>
+            </a:fontRef>
+          </p:style>
+          <p:txBody>
+            <a:bodyPr rtlCol="0" anchor="ctr"/>
+            <a:lstStyle/>
+            <a:p>
+              <a:pPr algn="ctr"/>
+              <a:endParaRPr lang="it-IT" dirty="0"/>
+            </a:p>
+          </p:txBody>
+        </p:sp>
+        <p:sp>
+          <p:nvSpPr>
+            <p:cNvPr id="14" name="Rettangolo 13"/>
+            <p:cNvSpPr/>
+            <p:nvPr/>
+          </p:nvSpPr>
+          <p:spPr>
+            <a:xfrm>
+              <a:off x="4272722" y="4641850"/>
+              <a:ext cx="602808" cy="260350"/>
+            </a:xfrm>
+            <a:prstGeom prst="rect">
+              <a:avLst/>
+            </a:prstGeom>
+            <a:solidFill>
+              <a:srgbClr val="0070C0">
+                <a:alpha val="40000"/>
+              </a:srgbClr>
+            </a:solidFill>
+            <a:ln>
+              <a:noFill/>
+            </a:ln>
+          </p:spPr>
+          <p:style>
+            <a:lnRef idx="2">
+              <a:schemeClr val="accent1">
+                <a:shade val="50000"/>
+              </a:schemeClr>
+            </a:lnRef>
+            <a:fillRef idx="1">
+              <a:schemeClr val="accent1"/>
+            </a:fillRef>
+            <a:effectRef idx="0">
+              <a:schemeClr val="accent1"/>
+            </a:effectRef>
+            <a:fontRef idx="minor">
+              <a:schemeClr val="lt1"/>
+            </a:fontRef>
+          </p:style>
+          <p:txBody>
+            <a:bodyPr rtlCol="0" anchor="ctr"/>
+            <a:lstStyle/>
+            <a:p>
+              <a:pPr algn="ctr"/>
+              <a:endParaRPr lang="it-IT" dirty="0"/>
+            </a:p>
+          </p:txBody>
+        </p:sp>
+        <p:sp>
+          <p:nvSpPr>
+            <p:cNvPr id="16" name="Rettangolo 15"/>
+            <p:cNvSpPr/>
+            <p:nvPr/>
+          </p:nvSpPr>
+          <p:spPr>
+            <a:xfrm>
+              <a:off x="3824632" y="5497830"/>
+              <a:ext cx="1181708" cy="260350"/>
+            </a:xfrm>
+            <a:prstGeom prst="rect">
+              <a:avLst/>
+            </a:prstGeom>
+            <a:solidFill>
+              <a:srgbClr val="FF0000">
+                <a:alpha val="40000"/>
+              </a:srgbClr>
+            </a:solidFill>
+            <a:ln>
+              <a:noFill/>
+            </a:ln>
+          </p:spPr>
+          <p:style>
+            <a:lnRef idx="2">
+              <a:schemeClr val="accent1">
+                <a:shade val="50000"/>
+              </a:schemeClr>
+            </a:lnRef>
+            <a:fillRef idx="1">
+              <a:schemeClr val="accent1"/>
+            </a:fillRef>
+            <a:effectRef idx="0">
+              <a:schemeClr val="accent1"/>
+            </a:effectRef>
+            <a:fontRef idx="minor">
+              <a:schemeClr val="lt1"/>
+            </a:fontRef>
+          </p:style>
+          <p:txBody>
+            <a:bodyPr rtlCol="0" anchor="ctr"/>
+            <a:lstStyle/>
+            <a:p>
+              <a:pPr algn="ctr"/>
+              <a:endParaRPr lang="it-IT" dirty="0"/>
+            </a:p>
+          </p:txBody>
+        </p:sp>
+        <p:sp>
+          <p:nvSpPr>
+            <p:cNvPr id="17" name="Rettangolo 16"/>
+            <p:cNvSpPr/>
+            <p:nvPr/>
+          </p:nvSpPr>
+          <p:spPr>
+            <a:xfrm>
+              <a:off x="10265852" y="3114815"/>
+              <a:ext cx="846648" cy="262469"/>
+            </a:xfrm>
+            <a:prstGeom prst="rect">
+              <a:avLst/>
+            </a:prstGeom>
+            <a:solidFill>
+              <a:srgbClr val="00B0F0">
+                <a:alpha val="40000"/>
+              </a:srgbClr>
+            </a:solidFill>
+            <a:ln>
+              <a:noFill/>
+            </a:ln>
+          </p:spPr>
+          <p:style>
+            <a:lnRef idx="2">
+              <a:schemeClr val="accent1">
+                <a:shade val="50000"/>
+              </a:schemeClr>
+            </a:lnRef>
+            <a:fillRef idx="1">
+              <a:schemeClr val="accent1"/>
+            </a:fillRef>
+            <a:effectRef idx="0">
+              <a:schemeClr val="accent1"/>
+            </a:effectRef>
+            <a:fontRef idx="minor">
+              <a:schemeClr val="lt1"/>
+            </a:fontRef>
+          </p:style>
+          <p:txBody>
+            <a:bodyPr rtlCol="0" anchor="ctr"/>
+            <a:lstStyle/>
+            <a:p>
+              <a:pPr algn="ctr"/>
+              <a:endParaRPr lang="it-IT" dirty="0"/>
+            </a:p>
+          </p:txBody>
+        </p:sp>
+        <p:sp>
+          <p:nvSpPr>
+            <p:cNvPr id="18" name="Rettangolo 17"/>
+            <p:cNvSpPr/>
+            <p:nvPr/>
+          </p:nvSpPr>
+          <p:spPr>
+            <a:xfrm>
+              <a:off x="3242752" y="2348188"/>
+              <a:ext cx="846648" cy="262469"/>
+            </a:xfrm>
+            <a:prstGeom prst="rect">
+              <a:avLst/>
+            </a:prstGeom>
+            <a:solidFill>
+              <a:srgbClr val="00B0F0">
+                <a:alpha val="40000"/>
+              </a:srgbClr>
+            </a:solidFill>
+            <a:ln>
+              <a:noFill/>
+            </a:ln>
+          </p:spPr>
+          <p:style>
+            <a:lnRef idx="2">
+              <a:schemeClr val="accent1">
+                <a:shade val="50000"/>
+              </a:schemeClr>
+            </a:lnRef>
+            <a:fillRef idx="1">
+              <a:schemeClr val="accent1"/>
+            </a:fillRef>
+            <a:effectRef idx="0">
+              <a:schemeClr val="accent1"/>
+            </a:effectRef>
+            <a:fontRef idx="minor">
+              <a:schemeClr val="lt1"/>
+            </a:fontRef>
+          </p:style>
+          <p:txBody>
+            <a:bodyPr rtlCol="0" anchor="ctr"/>
+            <a:lstStyle/>
+            <a:p>
+              <a:pPr algn="ctr"/>
+              <a:endParaRPr lang="it-IT" dirty="0"/>
+            </a:p>
+          </p:txBody>
+        </p:sp>
+        <p:sp>
+          <p:nvSpPr>
+            <p:cNvPr id="11" name="Rettangolo 10"/>
+            <p:cNvSpPr/>
+            <p:nvPr/>
+          </p:nvSpPr>
+          <p:spPr>
+            <a:xfrm>
+              <a:off x="3245408" y="1590566"/>
+              <a:ext cx="843992" cy="264728"/>
+            </a:xfrm>
+            <a:prstGeom prst="rect">
+              <a:avLst/>
+            </a:prstGeom>
+            <a:solidFill>
+              <a:srgbClr val="FF0066">
+                <a:alpha val="40000"/>
+              </a:srgbClr>
+            </a:solidFill>
+            <a:ln>
+              <a:noFill/>
+            </a:ln>
+          </p:spPr>
+          <p:style>
+            <a:lnRef idx="2">
+              <a:schemeClr val="accent1">
+                <a:shade val="50000"/>
+              </a:schemeClr>
+            </a:lnRef>
+            <a:fillRef idx="1">
+              <a:schemeClr val="accent1"/>
+            </a:fillRef>
+            <a:effectRef idx="0">
+              <a:schemeClr val="accent1"/>
+            </a:effectRef>
+            <a:fontRef idx="minor">
+              <a:schemeClr val="lt1"/>
+            </a:fontRef>
+          </p:style>
+          <p:txBody>
+            <a:bodyPr rtlCol="0" anchor="ctr"/>
+            <a:lstStyle/>
+            <a:p>
+              <a:pPr algn="ctr"/>
+              <a:endParaRPr lang="it-IT" dirty="0"/>
+            </a:p>
+          </p:txBody>
+        </p:sp>
+      </p:grpSp>
     </p:spTree>
     <p:extLst>
       <p:ext uri="{BB962C8B-B14F-4D97-AF65-F5344CB8AC3E}">
@@ -8248,7 +8308,7 @@
         <p:spPr>
           <a:xfrm>
             <a:off x="1316392" y="1332754"/>
-            <a:ext cx="3124200" cy="5078313"/>
+            <a:ext cx="3124200" cy="4801314"/>
           </a:xfrm>
           <a:prstGeom prst="rect">
             <a:avLst/>
@@ -8343,31 +8403,15 @@
             </a:r>
             <a:r>
               <a:rPr lang="it-IT" dirty="0"/>
-              <a:t> in a single game </a:t>
-            </a:r>
-            <a:r>
-              <a:rPr lang="it-IT" dirty="0" err="1"/>
-              <a:t>is</a:t>
+              <a:t> in </a:t>
+            </a:r>
+            <a:r>
+              <a:rPr lang="it-IT"/>
+              <a:t>a game can </a:t>
             </a:r>
             <a:r>
               <a:rPr lang="it-IT" dirty="0"/>
-              <a:t> set by default to 4 </a:t>
-            </a:r>
-            <a:r>
-              <a:rPr lang="it-IT" dirty="0" err="1"/>
-              <a:t>but</a:t>
-            </a:r>
-            <a:r>
-              <a:rPr lang="it-IT" dirty="0"/>
-              <a:t> </a:t>
-            </a:r>
-            <a:r>
-              <a:rPr lang="it-IT" dirty="0" err="1"/>
-              <a:t>it</a:t>
-            </a:r>
-            <a:r>
-              <a:rPr lang="it-IT" dirty="0"/>
-              <a:t> can be </a:t>
+              <a:t>be </a:t>
             </a:r>
             <a:r>
               <a:rPr lang="it-IT" dirty="0" err="1"/>

--- a/uml/CO4.pptx
+++ b/uml/CO4.pptx
@@ -3970,7 +3970,15 @@
             </a:r>
             <a:r>
               <a:rPr lang="it-IT" dirty="0"/>
-              <a:t> Server an Clients.</a:t>
+              <a:t> </a:t>
+            </a:r>
+            <a:r>
+              <a:rPr lang="it-IT"/>
+              <a:t>Server and </a:t>
+            </a:r>
+            <a:r>
+              <a:rPr lang="it-IT" dirty="0"/>
+              <a:t>Clients.</a:t>
             </a:r>
           </a:p>
           <a:p>
@@ -5024,7 +5032,7 @@
             <a:pPr algn="just"/>
             <a:r>
               <a:rPr lang="en-US" dirty="0"/>
-              <a:t>In this way the View hasn’t a reference to the proper model but it’s still able to refresh itself without communicate with the controller. </a:t>
+              <a:t>In this way the View hasn’t got a reference to the action model but it’s still able to refresh itself without communicating with the controller. </a:t>
             </a:r>
           </a:p>
           <a:p>
@@ -7408,7 +7416,7 @@
             <a:pPr algn="just"/>
             <a:r>
               <a:rPr lang="en-US" dirty="0"/>
-              <a:t>The exchange of information is developed between the </a:t>
+              <a:t>The information flows between the </a:t>
             </a:r>
             <a:r>
               <a:rPr lang="en-US" dirty="0" err="1"/>
